--- a/Presentation/IntroSWEng.FinalPresentationTemplate.pptx
+++ b/Presentation/IntroSWEng.FinalPresentationTemplate.pptx
@@ -21994,7 +21994,7 @@
               <a:buNone/>
             </a:pPr>
             <a:r>
-              <a:rPr lang="en-US" sz="3780" b="0" i="0" u="none" strike="noStrike" cap="none">
+              <a:rPr lang="en-US" sz="3780" b="0" i="0" u="none" strike="noStrike" cap="none" dirty="0">
                 <a:solidFill>
                   <a:schemeClr val="accent1"/>
                 </a:solidFill>
@@ -22003,10 +22003,10 @@
                 <a:cs typeface="Georgia"/>
                 <a:sym typeface="Georgia"/>
               </a:rPr>
-              <a:t>Project presentation</a:t>
+              <a:t>Project Presentation</a:t>
             </a:r>
             <a:br>
-              <a:rPr lang="en-US" sz="3780" b="0" i="0" u="none" strike="noStrike" cap="none">
+              <a:rPr lang="en-US" sz="3780" b="0" i="0" u="none" strike="noStrike" cap="none" dirty="0">
                 <a:solidFill>
                   <a:schemeClr val="accent1"/>
                 </a:solidFill>
@@ -22017,7 +22017,7 @@
               </a:rPr>
             </a:br>
             <a:r>
-              <a:rPr lang="en-US" sz="3780" b="0" i="0" u="none" strike="noStrike" cap="none">
+              <a:rPr lang="en-US" sz="3780" b="0" i="0" u="none" strike="noStrike" cap="none" dirty="0">
                 <a:solidFill>
                   <a:schemeClr val="accent1"/>
                 </a:solidFill>
@@ -22028,7 +22028,7 @@
               </a:rPr>
               <a:t>Evacuation and Emergency System</a:t>
             </a:r>
-            <a:endParaRPr sz="3780" b="0" i="0" u="none" strike="noStrike" cap="none">
+            <a:endParaRPr sz="3780" b="0" i="0" u="none" strike="noStrike" cap="none" dirty="0">
               <a:solidFill>
                 <a:schemeClr val="accent1"/>
               </a:solidFill>
@@ -22075,7 +22075,7 @@
               <a:buNone/>
             </a:pPr>
             <a:r>
-              <a:rPr lang="en-US" sz="1800">
+              <a:rPr lang="en-US" sz="1800" dirty="0">
                 <a:solidFill>
                   <a:schemeClr val="dk1"/>
                 </a:solidFill>
@@ -22086,7 +22086,7 @@
               </a:rPr>
               <a:t>Project team:</a:t>
             </a:r>
-            <a:endParaRPr/>
+            <a:endParaRPr dirty="0"/>
           </a:p>
           <a:p>
             <a:pPr marL="0" marR="0" lvl="0" indent="0" algn="l" rtl="0">
@@ -22098,7 +22098,7 @@
               </a:spcAft>
               <a:buNone/>
             </a:pPr>
-            <a:endParaRPr sz="1800">
+            <a:endParaRPr sz="1800" dirty="0">
               <a:solidFill>
                 <a:schemeClr val="dk1"/>
               </a:solidFill>
@@ -22119,7 +22119,7 @@
               <a:buNone/>
             </a:pPr>
             <a:r>
-              <a:rPr lang="en-US" sz="1800">
+              <a:rPr lang="en-US" sz="1800" dirty="0">
                 <a:solidFill>
                   <a:schemeClr val="dk1"/>
                 </a:solidFill>
@@ -22128,9 +22128,33 @@
                 <a:cs typeface="Georgia"/>
                 <a:sym typeface="Georgia"/>
               </a:rPr>
-              <a:t>Project leaders: Kacper – Pablo</a:t>
+              <a:t>Project leaders: </a:t>
             </a:r>
-            <a:endParaRPr/>
+            <a:r>
+              <a:rPr lang="en-US" sz="1800" dirty="0" err="1">
+                <a:solidFill>
+                  <a:schemeClr val="dk1"/>
+                </a:solidFill>
+                <a:latin typeface="Georgia"/>
+                <a:ea typeface="Georgia"/>
+                <a:cs typeface="Georgia"/>
+                <a:sym typeface="Georgia"/>
+              </a:rPr>
+              <a:t>Kacper</a:t>
+            </a:r>
+            <a:r>
+              <a:rPr lang="en-US" sz="1800" dirty="0">
+                <a:solidFill>
+                  <a:schemeClr val="dk1"/>
+                </a:solidFill>
+                <a:latin typeface="Georgia"/>
+                <a:ea typeface="Georgia"/>
+                <a:cs typeface="Georgia"/>
+                <a:sym typeface="Georgia"/>
+              </a:rPr>
+              <a:t> – Pablo</a:t>
+            </a:r>
+            <a:endParaRPr dirty="0"/>
           </a:p>
           <a:p>
             <a:pPr marL="0" marR="0" lvl="0" indent="0" algn="l" rtl="0">
@@ -22142,7 +22166,7 @@
               </a:spcAft>
               <a:buNone/>
             </a:pPr>
-            <a:endParaRPr sz="1800">
+            <a:endParaRPr sz="1800" dirty="0">
               <a:solidFill>
                 <a:schemeClr val="dk1"/>
               </a:solidFill>
@@ -22163,7 +22187,7 @@
               <a:buNone/>
             </a:pPr>
             <a:r>
-              <a:rPr lang="en-US" sz="1800">
+              <a:rPr lang="en-US" sz="1800" dirty="0">
                 <a:solidFill>
                   <a:schemeClr val="dk1"/>
                 </a:solidFill>
@@ -22174,7 +22198,7 @@
               </a:rPr>
               <a:t>Java programming: Charlotte  - Maciek – Alberto - Pablo – Dennis</a:t>
             </a:r>
-            <a:endParaRPr/>
+            <a:endParaRPr dirty="0"/>
           </a:p>
           <a:p>
             <a:pPr marL="0" marR="0" lvl="0" indent="0" algn="l" rtl="0">
@@ -22187,7 +22211,7 @@
               <a:buNone/>
             </a:pPr>
             <a:r>
-              <a:rPr lang="en-US" sz="1800">
+              <a:rPr lang="en-US" sz="1800" dirty="0">
                 <a:solidFill>
                   <a:schemeClr val="dk1"/>
                 </a:solidFill>
@@ -22198,7 +22222,7 @@
               </a:rPr>
               <a:t>Project design: Dennis – Kyrylo – Thomas</a:t>
             </a:r>
-            <a:endParaRPr/>
+            <a:endParaRPr dirty="0"/>
           </a:p>
           <a:p>
             <a:pPr marL="0" marR="0" lvl="0" indent="0" algn="l" rtl="0">
@@ -22211,7 +22235,7 @@
               <a:buNone/>
             </a:pPr>
             <a:r>
-              <a:rPr lang="en-US" sz="1800">
+              <a:rPr lang="en-US" sz="1800" dirty="0">
                 <a:solidFill>
                   <a:schemeClr val="dk1"/>
                 </a:solidFill>
@@ -22220,9 +22244,33 @@
                 <a:cs typeface="Georgia"/>
                 <a:sym typeface="Georgia"/>
               </a:rPr>
-              <a:t>Data structures: Kacper – Thomas – Dennis</a:t>
+              <a:t>Data structures: </a:t>
             </a:r>
-            <a:endParaRPr/>
+            <a:r>
+              <a:rPr lang="en-US" sz="1800" dirty="0" err="1">
+                <a:solidFill>
+                  <a:schemeClr val="dk1"/>
+                </a:solidFill>
+                <a:latin typeface="Georgia"/>
+                <a:ea typeface="Georgia"/>
+                <a:cs typeface="Georgia"/>
+                <a:sym typeface="Georgia"/>
+              </a:rPr>
+              <a:t>Kacper</a:t>
+            </a:r>
+            <a:r>
+              <a:rPr lang="en-US" sz="1800" dirty="0">
+                <a:solidFill>
+                  <a:schemeClr val="dk1"/>
+                </a:solidFill>
+                <a:latin typeface="Georgia"/>
+                <a:ea typeface="Georgia"/>
+                <a:cs typeface="Georgia"/>
+                <a:sym typeface="Georgia"/>
+              </a:rPr>
+              <a:t> – Thomas – Dennis</a:t>
+            </a:r>
+            <a:endParaRPr dirty="0"/>
           </a:p>
           <a:p>
             <a:pPr marL="0" marR="0" lvl="0" indent="0" algn="l" rtl="0">
@@ -22235,7 +22283,7 @@
               <a:buNone/>
             </a:pPr>
             <a:r>
-              <a:rPr lang="en-US" sz="1800">
+              <a:rPr lang="en-US" sz="1800" dirty="0">
                 <a:solidFill>
                   <a:schemeClr val="dk1"/>
                 </a:solidFill>
@@ -22246,7 +22294,7 @@
               </a:rPr>
               <a:t>Tester: Maciek – Pablo – Kyrylo</a:t>
             </a:r>
-            <a:endParaRPr sz="1800">
+            <a:endParaRPr sz="1800" dirty="0">
               <a:solidFill>
                 <a:schemeClr val="dk1"/>
               </a:solidFill>
@@ -22267,7 +22315,7 @@
               <a:buNone/>
             </a:pPr>
             <a:r>
-              <a:rPr lang="en-US" sz="1800">
+              <a:rPr lang="en-US" sz="1800" dirty="0">
                 <a:solidFill>
                   <a:schemeClr val="dk1"/>
                 </a:solidFill>
@@ -22276,9 +22324,33 @@
                 <a:cs typeface="Georgia"/>
                 <a:sym typeface="Georgia"/>
               </a:rPr>
-              <a:t>Documentation: Kacper – Alberto - Charlotte</a:t>
+              <a:t>Documentation: </a:t>
             </a:r>
-            <a:endParaRPr sz="1800">
+            <a:r>
+              <a:rPr lang="en-US" sz="1800" dirty="0" err="1">
+                <a:solidFill>
+                  <a:schemeClr val="dk1"/>
+                </a:solidFill>
+                <a:latin typeface="Georgia"/>
+                <a:ea typeface="Georgia"/>
+                <a:cs typeface="Georgia"/>
+                <a:sym typeface="Georgia"/>
+              </a:rPr>
+              <a:t>Kacper</a:t>
+            </a:r>
+            <a:r>
+              <a:rPr lang="en-US" sz="1800" dirty="0">
+                <a:solidFill>
+                  <a:schemeClr val="dk1"/>
+                </a:solidFill>
+                <a:latin typeface="Georgia"/>
+                <a:ea typeface="Georgia"/>
+                <a:cs typeface="Georgia"/>
+                <a:sym typeface="Georgia"/>
+              </a:rPr>
+              <a:t> – Alberto - Charlotte</a:t>
+            </a:r>
+            <a:endParaRPr sz="1800" dirty="0">
               <a:solidFill>
                 <a:schemeClr val="dk1"/>
               </a:solidFill>
@@ -22359,7 +22431,7 @@
               <a:buNone/>
             </a:pPr>
             <a:r>
-              <a:rPr lang="en-US" sz="3300" b="0" i="0" u="none" strike="noStrike" cap="none">
+              <a:rPr lang="en-US" sz="3300" b="0" i="0" u="none" strike="noStrike" cap="none" dirty="0">
                 <a:solidFill>
                   <a:srgbClr val="7A9798"/>
                 </a:solidFill>
@@ -22368,10 +22440,26 @@
                 <a:cs typeface="Georgia"/>
                 <a:sym typeface="Georgia"/>
               </a:rPr>
-              <a:t>Use case diagram </a:t>
+              <a:t>Use Case </a:t>
             </a:r>
             <a:r>
-              <a:rPr lang="en-US" sz="2400" b="0" i="0" u="none" strike="noStrike" cap="none">
+              <a:rPr lang="en-US" dirty="0"/>
+              <a:t>D</a:t>
+            </a:r>
+            <a:r>
+              <a:rPr lang="en-US" sz="3300" b="0" i="0" u="none" strike="noStrike" cap="none" dirty="0">
+                <a:solidFill>
+                  <a:srgbClr val="7A9798"/>
+                </a:solidFill>
+                <a:latin typeface="Georgia"/>
+                <a:ea typeface="Georgia"/>
+                <a:cs typeface="Georgia"/>
+                <a:sym typeface="Georgia"/>
+              </a:rPr>
+              <a:t>iagram </a:t>
+            </a:r>
+            <a:r>
+              <a:rPr lang="en-US" sz="2400" b="0" i="0" u="none" strike="noStrike" cap="none" dirty="0">
                 <a:solidFill>
                   <a:srgbClr val="7A9798"/>
                 </a:solidFill>
@@ -22382,7 +22470,7 @@
               </a:rPr>
               <a:t>(high abstraction)</a:t>
             </a:r>
-            <a:endParaRPr sz="3300" b="0" i="0" u="none" strike="noStrike" cap="none">
+            <a:endParaRPr sz="3300" b="0" i="0" u="none" strike="noStrike" cap="none" dirty="0">
               <a:solidFill>
                 <a:srgbClr val="7A9798"/>
               </a:solidFill>
@@ -22553,7 +22641,7 @@
               <a:buNone/>
             </a:pPr>
             <a:r>
-              <a:rPr lang="en-US" sz="3300" b="0" i="0" u="none" strike="noStrike" cap="none">
+              <a:rPr lang="en-US" sz="3300" b="0" i="0" u="none" strike="noStrike" cap="none" dirty="0">
                 <a:solidFill>
                   <a:srgbClr val="7A9798"/>
                 </a:solidFill>
@@ -22562,10 +22650,10 @@
                 <a:cs typeface="Georgia"/>
                 <a:sym typeface="Georgia"/>
               </a:rPr>
-              <a:t>Sequence diagram </a:t>
+              <a:t>Sequence Diagram </a:t>
             </a:r>
             <a:r>
-              <a:rPr lang="en-US" sz="2400" b="0" i="0" u="none" strike="noStrike" cap="none">
+              <a:rPr lang="en-US" sz="2400" b="0" i="0" u="none" strike="noStrike" cap="none" dirty="0">
                 <a:solidFill>
                   <a:srgbClr val="7A9798"/>
                 </a:solidFill>
@@ -22574,9 +22662,9 @@
                 <a:cs typeface="Georgia"/>
                 <a:sym typeface="Georgia"/>
               </a:rPr>
-              <a:t>(Get route to Escape)</a:t>
+              <a:t>(Get route to escape)</a:t>
             </a:r>
-            <a:endParaRPr sz="2400" b="0" i="0" u="none" strike="noStrike" cap="none">
+            <a:endParaRPr sz="2400" b="0" i="0" u="none" strike="noStrike" cap="none" dirty="0">
               <a:solidFill>
                 <a:srgbClr val="7A9798"/>
               </a:solidFill>
@@ -22750,7 +22838,7 @@
               <a:buNone/>
             </a:pPr>
             <a:r>
-              <a:rPr lang="en-US" sz="3300" b="0" i="0" u="none" strike="noStrike" cap="none">
+              <a:rPr lang="en-US" sz="3300" b="0" i="0" u="none" strike="noStrike" cap="none" dirty="0">
                 <a:solidFill>
                   <a:srgbClr val="7A9798"/>
                 </a:solidFill>
@@ -22759,9 +22847,41 @@
                 <a:cs typeface="Georgia"/>
                 <a:sym typeface="Georgia"/>
               </a:rPr>
-              <a:t>Sw engineering activities</a:t>
+              <a:t>Software </a:t>
             </a:r>
-            <a:endParaRPr sz="3300" b="0" i="0" u="none" strike="noStrike" cap="none">
+            <a:r>
+              <a:rPr lang="en-US" dirty="0"/>
+              <a:t>E</a:t>
+            </a:r>
+            <a:r>
+              <a:rPr lang="en-US" sz="3300" b="0" i="0" u="none" strike="noStrike" cap="none" dirty="0">
+                <a:solidFill>
+                  <a:srgbClr val="7A9798"/>
+                </a:solidFill>
+                <a:latin typeface="Georgia"/>
+                <a:ea typeface="Georgia"/>
+                <a:cs typeface="Georgia"/>
+                <a:sym typeface="Georgia"/>
+              </a:rPr>
+              <a:t>ngineering </a:t>
+            </a:r>
+            <a:r>
+              <a:rPr lang="en-US" dirty="0"/>
+              <a:t>A</a:t>
+            </a:r>
+            <a:r>
+              <a:rPr lang="en-US" sz="3300" b="0" i="0" u="none" strike="noStrike" cap="none" dirty="0">
+                <a:solidFill>
+                  <a:srgbClr val="7A9798"/>
+                </a:solidFill>
+                <a:latin typeface="Georgia"/>
+                <a:ea typeface="Georgia"/>
+                <a:cs typeface="Georgia"/>
+                <a:sym typeface="Georgia"/>
+              </a:rPr>
+              <a:t>ctivities</a:t>
+            </a:r>
+            <a:endParaRPr sz="3300" b="0" i="0" u="none" strike="noStrike" cap="none" dirty="0">
               <a:solidFill>
                 <a:srgbClr val="7A9798"/>
               </a:solidFill>
@@ -22879,7 +22999,7 @@
               <a:buChar char="●"/>
             </a:pPr>
             <a:r>
-              <a:rPr lang="en-US" sz="2700" b="0" i="0" u="none" strike="noStrike" cap="none">
+              <a:rPr lang="en-US" sz="2700" b="0" i="0" u="none" strike="noStrike" cap="none" dirty="0">
                 <a:solidFill>
                   <a:schemeClr val="dk1"/>
                 </a:solidFill>
@@ -22890,7 +23010,7 @@
               </a:rPr>
               <a:t>Principles/Patterns</a:t>
             </a:r>
-            <a:endParaRPr sz="2700" b="0" i="0" u="none" strike="noStrike" cap="none">
+            <a:endParaRPr sz="2700" b="0" i="0" u="none" strike="noStrike" cap="none" dirty="0">
               <a:solidFill>
                 <a:schemeClr val="dk1"/>
               </a:solidFill>
@@ -22916,7 +23036,7 @@
               <a:buNone/>
             </a:pPr>
             <a:r>
-              <a:rPr lang="en-US" sz="2700" b="0" i="0" u="none" strike="noStrike" cap="none">
+              <a:rPr lang="en-US" sz="2700" b="0" i="0" u="none" strike="noStrike" cap="none" dirty="0">
                 <a:solidFill>
                   <a:schemeClr val="dk1"/>
                 </a:solidFill>
@@ -22925,14 +23045,54 @@
                 <a:cs typeface="Georgia"/>
                 <a:sym typeface="Georgia"/>
               </a:rPr>
-              <a:t>As structural pattern we used Facade (Fachada). The reason to use this pattern is because an API is considered a system with high level of complexity, and the way to use the basic </a:t>
+              <a:t>For the structural pattern we used Facade (</a:t>
             </a:r>
             <a:r>
-              <a:rPr lang="en-US"/>
+              <a:rPr lang="en-US" sz="2700" b="0" i="0" u="none" strike="noStrike" cap="none" dirty="0" err="1">
+                <a:solidFill>
+                  <a:schemeClr val="dk1"/>
+                </a:solidFill>
+                <a:latin typeface="Georgia"/>
+                <a:ea typeface="Georgia"/>
+                <a:cs typeface="Georgia"/>
+                <a:sym typeface="Georgia"/>
+              </a:rPr>
+              <a:t>Fachada</a:t>
+            </a:r>
+            <a:r>
+              <a:rPr lang="en-US" sz="2700" b="0" i="0" u="none" strike="noStrike" cap="none" dirty="0">
+                <a:solidFill>
+                  <a:schemeClr val="dk1"/>
+                </a:solidFill>
+                <a:latin typeface="Georgia"/>
+                <a:ea typeface="Georgia"/>
+                <a:cs typeface="Georgia"/>
+                <a:sym typeface="Georgia"/>
+              </a:rPr>
+              <a:t>). The reason to use this pattern is because an API is considered a system </a:t>
+            </a:r>
+            <a:r>
+              <a:rPr lang="en-US" dirty="0"/>
+              <a:t>of</a:t>
+            </a:r>
+            <a:r>
+              <a:rPr lang="en-US" sz="2700" b="0" i="0" u="none" strike="noStrike" cap="none" dirty="0">
+                <a:solidFill>
+                  <a:schemeClr val="dk1"/>
+                </a:solidFill>
+                <a:latin typeface="Georgia"/>
+                <a:ea typeface="Georgia"/>
+                <a:cs typeface="Georgia"/>
+                <a:sym typeface="Georgia"/>
+              </a:rPr>
+              <a:t> high level complexity and the way to use the basic </a:t>
+            </a:r>
+            <a:r>
+              <a:rPr lang="en-US" dirty="0"/>
               <a:t>functionality</a:t>
             </a:r>
             <a:r>
-              <a:rPr lang="en-US" sz="2700" b="0" i="0" u="none" strike="noStrike" cap="none">
+              <a:rPr lang="en-US" sz="2700" b="0" i="0" u="none" strike="noStrike" cap="none" dirty="0">
                 <a:solidFill>
                   <a:schemeClr val="dk1"/>
                 </a:solidFill>
@@ -22941,9 +23101,9 @@
                 <a:cs typeface="Georgia"/>
                 <a:sym typeface="Georgia"/>
               </a:rPr>
-              <a:t> of the system ignoring its complexity is through the Facade pattern.</a:t>
+              <a:t> of the system while ignoring its complexity is through the Facade pattern.</a:t>
             </a:r>
-            <a:endParaRPr/>
+            <a:endParaRPr dirty="0"/>
           </a:p>
           <a:p>
             <a:pPr marL="0" marR="0" lvl="0" indent="0" algn="just" rtl="0">
@@ -22960,7 +23120,7 @@
               <a:buFont typeface="Noto Sans Symbols"/>
               <a:buNone/>
             </a:pPr>
-            <a:endParaRPr sz="2000" b="0" i="0" u="none" strike="noStrike" cap="none">
+            <a:endParaRPr sz="2000" b="0" i="0" u="none" strike="noStrike" cap="none" dirty="0">
               <a:solidFill>
                 <a:schemeClr val="dk1"/>
               </a:solidFill>
@@ -23068,7 +23228,7 @@
               <a:buNone/>
             </a:pPr>
             <a:r>
-              <a:rPr lang="en-US" sz="3300" b="0" i="0" u="none" strike="noStrike" cap="none">
+              <a:rPr lang="en-US" sz="3300" b="0" i="0" u="none" strike="noStrike" cap="none" dirty="0">
                 <a:solidFill>
                   <a:srgbClr val="7A9798"/>
                 </a:solidFill>
@@ -23077,9 +23237,41 @@
                 <a:cs typeface="Georgia"/>
                 <a:sym typeface="Georgia"/>
               </a:rPr>
-              <a:t>Sw engineering activities</a:t>
+              <a:t>Software </a:t>
             </a:r>
-            <a:endParaRPr sz="3300" b="0" i="0" u="none" strike="noStrike" cap="none">
+            <a:r>
+              <a:rPr lang="en-US" dirty="0"/>
+              <a:t>E</a:t>
+            </a:r>
+            <a:r>
+              <a:rPr lang="en-US" sz="3300" b="0" i="0" u="none" strike="noStrike" cap="none" dirty="0">
+                <a:solidFill>
+                  <a:srgbClr val="7A9798"/>
+                </a:solidFill>
+                <a:latin typeface="Georgia"/>
+                <a:ea typeface="Georgia"/>
+                <a:cs typeface="Georgia"/>
+                <a:sym typeface="Georgia"/>
+              </a:rPr>
+              <a:t>ngineering </a:t>
+            </a:r>
+            <a:r>
+              <a:rPr lang="en-US" dirty="0"/>
+              <a:t>A</a:t>
+            </a:r>
+            <a:r>
+              <a:rPr lang="en-US" sz="3300" b="0" i="0" u="none" strike="noStrike" cap="none" dirty="0">
+                <a:solidFill>
+                  <a:srgbClr val="7A9798"/>
+                </a:solidFill>
+                <a:latin typeface="Georgia"/>
+                <a:ea typeface="Georgia"/>
+                <a:cs typeface="Georgia"/>
+                <a:sym typeface="Georgia"/>
+              </a:rPr>
+              <a:t>ctivities</a:t>
+            </a:r>
+            <a:endParaRPr sz="3300" b="0" i="0" u="none" strike="noStrike" cap="none" dirty="0">
               <a:solidFill>
                 <a:srgbClr val="7A9798"/>
               </a:solidFill>
@@ -23243,7 +23435,7 @@
                 <a:cs typeface="Georgia"/>
                 <a:sym typeface="Georgia"/>
               </a:rPr>
-              <a:t>We use </a:t>
+              <a:t>We used </a:t>
             </a:r>
             <a:r>
               <a:rPr lang="en-US" sz="2800" b="0" i="0" u="none" strike="noStrike" cap="none" dirty="0" err="1">
@@ -24444,7 +24636,7 @@
             </a:pPr>
             <a:r>
               <a:rPr lang="en-US" dirty="0"/>
-              <a:t>In order to avoid errors in code and increase productivity, we use Test Driven Development (TDD).</a:t>
+              <a:t>In order to avoid errors in code and increase productivity, we used Test Driven Development (TDD).</a:t>
             </a:r>
           </a:p>
           <a:p>
@@ -24475,15 +24667,15 @@
             </a:r>
             <a:r>
               <a:rPr lang="en-US" dirty="0"/>
-              <a:t> and find out the behavior depending of  several </a:t>
+              <a:t> and find out the </a:t>
             </a:r>
             <a:r>
               <a:rPr lang="en-US" dirty="0" err="1"/>
-              <a:t>parametres</a:t>
+              <a:t>behaviour</a:t>
             </a:r>
             <a:r>
               <a:rPr lang="en-US" dirty="0"/>
-              <a:t>. </a:t>
+              <a:t> depending on  several parameters. </a:t>
             </a:r>
           </a:p>
           <a:p>
@@ -24745,10 +24937,10 @@
               <a:buChar char="●"/>
             </a:pPr>
             <a:r>
-              <a:rPr lang="en-US" sz="2800"/>
-              <a:t>Implementation model</a:t>
+              <a:rPr lang="en-US" sz="2800" dirty="0"/>
+              <a:t>Implementation Model</a:t>
             </a:r>
-            <a:endParaRPr sz="2700" b="0" i="0" u="none" strike="noStrike" cap="none">
+            <a:endParaRPr sz="2700" b="0" i="0" u="none" strike="noStrike" cap="none" dirty="0">
               <a:solidFill>
                 <a:schemeClr val="dk1"/>
               </a:solidFill>
@@ -24772,8 +24964,8 @@
         </p:nvSpPr>
         <p:spPr>
           <a:xfrm>
-            <a:off x="469100" y="1921675"/>
-            <a:ext cx="8503800" cy="4032900"/>
+            <a:off x="301750" y="1921675"/>
+            <a:ext cx="8671150" cy="4032900"/>
           </a:xfrm>
           <a:prstGeom prst="rect">
             <a:avLst/>
@@ -24804,10 +24996,10 @@
               <a:buNone/>
             </a:pPr>
             <a:r>
-              <a:rPr lang="en-US" sz="2800"/>
-              <a:t>We have implemented the two commitments</a:t>
+              <a:rPr lang="en-US" sz="2800" dirty="0"/>
+              <a:t>We have implemented the two chosen commitments</a:t>
             </a:r>
-            <a:endParaRPr sz="2800"/>
+            <a:endParaRPr sz="2800" dirty="0"/>
           </a:p>
           <a:p>
             <a:pPr marL="457200" marR="0" lvl="0" indent="-406400" algn="just" rtl="0">
@@ -24821,10 +25013,10 @@
               <a:buChar char="-"/>
             </a:pPr>
             <a:r>
-              <a:rPr lang="en-US" sz="2800"/>
+              <a:rPr lang="en-US" sz="2800" dirty="0"/>
               <a:t>Request for evacuation route</a:t>
             </a:r>
-            <a:endParaRPr sz="2800"/>
+            <a:endParaRPr sz="2800" dirty="0"/>
           </a:p>
           <a:p>
             <a:pPr marL="457200" lvl="0" indent="-406400" algn="just" rtl="0">
@@ -24838,10 +25030,10 @@
               <a:buChar char="-"/>
             </a:pPr>
             <a:r>
-              <a:rPr lang="en-US" sz="2800"/>
+              <a:rPr lang="en-US" sz="2800" dirty="0"/>
               <a:t>Request for own location </a:t>
             </a:r>
-            <a:endParaRPr sz="2800"/>
+            <a:endParaRPr sz="2800" dirty="0"/>
           </a:p>
           <a:p>
             <a:pPr marL="0" lvl="0" indent="0" algn="just" rtl="0">
@@ -24854,10 +25046,10 @@
               <a:buNone/>
             </a:pPr>
             <a:r>
-              <a:rPr lang="en-US" sz="2800"/>
+              <a:rPr lang="en-US" sz="2800" dirty="0"/>
               <a:t>and the GUI.</a:t>
             </a:r>
-            <a:endParaRPr sz="2800"/>
+            <a:endParaRPr sz="2800" dirty="0"/>
           </a:p>
           <a:p>
             <a:pPr marL="0" marR="0" lvl="0" indent="0" algn="just" rtl="0">
@@ -24875,10 +25067,10 @@
               <a:buNone/>
             </a:pPr>
             <a:r>
-              <a:rPr lang="en-US" sz="2800"/>
+              <a:rPr lang="en-US" sz="2800" dirty="0"/>
               <a:t>What we have not implemented :</a:t>
             </a:r>
-            <a:endParaRPr sz="2800"/>
+            <a:endParaRPr sz="2800" dirty="0"/>
           </a:p>
           <a:p>
             <a:pPr marL="457200" marR="0" lvl="0" indent="-406400" algn="just" rtl="0">
@@ -24892,10 +25084,10 @@
               <a:buChar char="-"/>
             </a:pPr>
             <a:r>
-              <a:rPr lang="en-US" sz="2800"/>
+              <a:rPr lang="en-US" sz="2800" dirty="0"/>
               <a:t>The extensions (e.g. : owner of building / Administrator actions)</a:t>
             </a:r>
-            <a:endParaRPr sz="2800"/>
+            <a:endParaRPr sz="2800" dirty="0"/>
           </a:p>
           <a:p>
             <a:pPr marL="0" marR="0" lvl="0" indent="0" algn="just" rtl="0">
@@ -24913,10 +25105,10 @@
               <a:buNone/>
             </a:pPr>
             <a:r>
-              <a:rPr lang="en-US" sz="2800"/>
-              <a:t>-&gt; We realized it was too complex to achieve in the time we had, so we reduced the commitments to 2</a:t>
+              <a:rPr lang="en-US" sz="2800" dirty="0"/>
+              <a:t>-&gt; Also, we realized it was too complex to achieve in the time we had, so we reduced the commitments to 2</a:t>
             </a:r>
-            <a:endParaRPr sz="2800"/>
+            <a:endParaRPr sz="2800" dirty="0"/>
           </a:p>
         </p:txBody>
       </p:sp>
@@ -25153,10 +25345,10 @@
               <a:buChar char="-"/>
             </a:pPr>
             <a:r>
-              <a:rPr lang="en-US" sz="2800"/>
+              <a:rPr lang="en-US" sz="2800" dirty="0"/>
               <a:t>Using java swing to mock the GUI of a mobile application</a:t>
             </a:r>
-            <a:endParaRPr sz="2800"/>
+            <a:endParaRPr sz="2800" dirty="0"/>
           </a:p>
           <a:p>
             <a:pPr marL="457200" lvl="0" indent="-406400" algn="just" rtl="0">
@@ -25170,10 +25362,10 @@
               <a:buChar char="-"/>
             </a:pPr>
             <a:r>
-              <a:rPr lang="en-US" sz="2800"/>
+              <a:rPr lang="en-US" sz="2800" dirty="0"/>
               <a:t>Mocked parts of the project (database -&gt; text file (stored on computer))</a:t>
             </a:r>
-            <a:endParaRPr sz="2800"/>
+            <a:endParaRPr sz="2800" dirty="0"/>
           </a:p>
           <a:p>
             <a:pPr marL="457200" lvl="0" indent="-406400" algn="just" rtl="0">
@@ -25187,10 +25379,10 @@
               <a:buChar char="-"/>
             </a:pPr>
             <a:r>
-              <a:rPr lang="en-US" sz="2800"/>
+              <a:rPr lang="en-US" sz="2800" dirty="0"/>
               <a:t>Actual database will be stored on one machine and its data will be accessible from a server </a:t>
             </a:r>
-            <a:endParaRPr sz="2800"/>
+            <a:endParaRPr sz="2800" dirty="0"/>
           </a:p>
           <a:p>
             <a:pPr marL="0" marR="0" lvl="0" indent="0" algn="just" rtl="0">
@@ -25202,7 +25394,7 @@
               </a:spcAft>
               <a:buNone/>
             </a:pPr>
-            <a:endParaRPr sz="2800"/>
+            <a:endParaRPr sz="2800" dirty="0"/>
           </a:p>
         </p:txBody>
       </p:sp>
@@ -25713,7 +25905,7 @@
               <a:buNone/>
             </a:pPr>
             <a:r>
-              <a:rPr lang="en-US" sz="3300" b="0" i="0" u="none" strike="noStrike" cap="none">
+              <a:rPr lang="en-US" sz="3300" b="0" i="0" u="none" strike="noStrike" cap="none" dirty="0">
                 <a:solidFill>
                   <a:srgbClr val="7A9798"/>
                 </a:solidFill>
@@ -25722,9 +25914,25 @@
                 <a:cs typeface="Georgia"/>
                 <a:sym typeface="Georgia"/>
               </a:rPr>
-              <a:t>Introduction – The problem</a:t>
+              <a:t>Introduction – The </a:t>
             </a:r>
-            <a:endParaRPr sz="3300" b="0" i="0" u="none" strike="noStrike" cap="none">
+            <a:r>
+              <a:rPr lang="en-US" dirty="0"/>
+              <a:t>P</a:t>
+            </a:r>
+            <a:r>
+              <a:rPr lang="en-US" sz="3300" b="0" i="0" u="none" strike="noStrike" cap="none" dirty="0">
+                <a:solidFill>
+                  <a:srgbClr val="7A9798"/>
+                </a:solidFill>
+                <a:latin typeface="Georgia"/>
+                <a:ea typeface="Georgia"/>
+                <a:cs typeface="Georgia"/>
+                <a:sym typeface="Georgia"/>
+              </a:rPr>
+              <a:t>roblem</a:t>
+            </a:r>
+            <a:endParaRPr sz="3300" b="0" i="0" u="none" strike="noStrike" cap="none" dirty="0">
               <a:solidFill>
                 <a:srgbClr val="7A9798"/>
               </a:solidFill>
@@ -25842,7 +26050,7 @@
               <a:buChar char="●"/>
             </a:pPr>
             <a:r>
-              <a:rPr lang="en-US" sz="2700" b="0" i="0" u="none" strike="noStrike" cap="none">
+              <a:rPr lang="en-US" sz="2700" b="0" i="0" u="none" strike="noStrike" cap="none" dirty="0">
                 <a:solidFill>
                   <a:schemeClr val="dk1"/>
                 </a:solidFill>
@@ -25853,7 +26061,18 @@
               </a:rPr>
               <a:t>The main motivation of this project is to help ensure the safety of users.</a:t>
             </a:r>
-            <a:endParaRPr/>
+          </a:p>
+          <a:p>
+            <a:pPr marL="274320" indent="-274320" algn="just">
+              <a:spcBef>
+                <a:spcPts val="0"/>
+              </a:spcBef>
+            </a:pPr>
+            <a:r>
+              <a:rPr lang="en-GB" dirty="0"/>
+              <a:t>To create a system with a social benefit, we wish to help people to gain knowledge about escape routes and evacuation plans in case of emergencies.</a:t>
+            </a:r>
+            <a:endParaRPr dirty="0"/>
           </a:p>
           <a:p>
             <a:pPr marL="274320" marR="0" lvl="0" indent="-274320" algn="just" rtl="0">
@@ -25871,7 +26090,7 @@
               <a:buChar char="●"/>
             </a:pPr>
             <a:r>
-              <a:rPr lang="en-US" sz="2700" b="0" i="0" u="none" strike="noStrike" cap="none">
+              <a:rPr lang="en-US" sz="2700" b="0" i="0" u="none" strike="noStrike" cap="none" dirty="0">
                 <a:solidFill>
                   <a:schemeClr val="dk1"/>
                 </a:solidFill>
@@ -25882,44 +26101,7 @@
               </a:rPr>
               <a:t>The idea of everyone having a way to escape from danger by just looking at their phone to show the quickest route.</a:t>
             </a:r>
-            <a:endParaRPr sz="2700" b="0" i="0" u="none" strike="noStrike" cap="none">
-              <a:solidFill>
-                <a:schemeClr val="dk1"/>
-              </a:solidFill>
-              <a:latin typeface="Georgia"/>
-              <a:ea typeface="Georgia"/>
-              <a:cs typeface="Georgia"/>
-              <a:sym typeface="Georgia"/>
-            </a:endParaRPr>
-          </a:p>
-          <a:p>
-            <a:pPr marL="274320" marR="0" lvl="0" indent="-274320" algn="just" rtl="0">
-              <a:spcBef>
-                <a:spcPts val="540"/>
-              </a:spcBef>
-              <a:spcAft>
-                <a:spcPts val="0"/>
-              </a:spcAft>
-              <a:buClr>
-                <a:schemeClr val="accent1"/>
-              </a:buClr>
-              <a:buSzPts val="2295"/>
-              <a:buFont typeface="Noto Sans Symbols"/>
-              <a:buChar char="●"/>
-            </a:pPr>
-            <a:r>
-              <a:rPr lang="en-US" sz="2700" b="0" i="0" u="none" strike="noStrike" cap="none">
-                <a:solidFill>
-                  <a:schemeClr val="dk1"/>
-                </a:solidFill>
-                <a:latin typeface="Georgia"/>
-                <a:ea typeface="Georgia"/>
-                <a:cs typeface="Georgia"/>
-                <a:sym typeface="Georgia"/>
-              </a:rPr>
-              <a:t>To create a system with a social benefit, we wish to help people to gain knowledge about escape routes and evacuation plans in case of emergencies.</a:t>
-            </a:r>
-            <a:endParaRPr sz="2700" b="0" i="0" u="none" strike="noStrike" cap="none">
+            <a:endParaRPr sz="2700" b="0" i="0" u="none" strike="noStrike" cap="none" dirty="0">
               <a:solidFill>
                 <a:schemeClr val="dk1"/>
               </a:solidFill>
@@ -26609,12 +26791,8 @@
               <a:buChar char="-"/>
             </a:pPr>
             <a:r>
-              <a:rPr lang="en-US" sz="2000" dirty="0" err="1"/>
-              <a:t>Dijkstra</a:t>
-            </a:r>
-            <a:r>
               <a:rPr lang="en-US" sz="2000" dirty="0"/>
-              <a:t> Algorithm </a:t>
+              <a:t>Dijkstra’s Algorithm </a:t>
             </a:r>
           </a:p>
           <a:p>
@@ -27009,7 +27187,7 @@
                 <a:cs typeface="Georgia"/>
                 <a:sym typeface="Georgia"/>
               </a:rPr>
-              <a:t>The Team and teamwork</a:t>
+              <a:t>The Team and Teamwork</a:t>
             </a:r>
             <a:endParaRPr sz="3300" b="0" i="0" u="none" strike="noStrike" cap="none" dirty="0">
               <a:solidFill>
@@ -27134,39 +27312,7 @@
                   <a:srgbClr val="000000"/>
                 </a:solidFill>
               </a:rPr>
-              <a:t>At the beginning of the project everyone was involved in each task, coordinating the team by </a:t>
-            </a:r>
-            <a:r>
-              <a:rPr lang="en-US" dirty="0" err="1">
-                <a:solidFill>
-                  <a:srgbClr val="000000"/>
-                </a:solidFill>
-              </a:rPr>
-              <a:t>WhatsApp</a:t>
-            </a:r>
-            <a:r>
-              <a:rPr lang="en-US" dirty="0">
-                <a:solidFill>
-                  <a:srgbClr val="000000"/>
-                </a:solidFill>
-              </a:rPr>
-              <a:t> and making the necessary commitments on the repository at </a:t>
-            </a:r>
-            <a:r>
-              <a:rPr lang="en-US" dirty="0" err="1">
-                <a:solidFill>
-                  <a:srgbClr val="000000"/>
-                </a:solidFill>
-              </a:rPr>
-              <a:t>Github</a:t>
-            </a:r>
-            <a:r>
-              <a:rPr lang="en-US" dirty="0">
-                <a:solidFill>
-                  <a:srgbClr val="000000"/>
-                </a:solidFill>
-              </a:rPr>
-              <a:t>.</a:t>
+              <a:t>At the beginning of the project everyone was involved in each task, we coordinated this using WhatsApp and making the necessary commitments to the repository on GitHub.</a:t>
             </a:r>
             <a:endParaRPr dirty="0">
               <a:solidFill>
@@ -27223,23 +27369,7 @@
                   <a:srgbClr val="000000"/>
                 </a:solidFill>
               </a:rPr>
-              <a:t>        - Group development: </a:t>
-            </a:r>
-            <a:r>
-              <a:rPr lang="en-US" dirty="0" err="1">
-                <a:solidFill>
-                  <a:srgbClr val="000000"/>
-                </a:solidFill>
-              </a:rPr>
-              <a:t>Maciek</a:t>
-            </a:r>
-            <a:r>
-              <a:rPr lang="en-US" dirty="0">
-                <a:solidFill>
-                  <a:srgbClr val="000000"/>
-                </a:solidFill>
-              </a:rPr>
-              <a:t>, Dennis, Pablo and</a:t>
+              <a:t>        - Development : Maciek, Dennis, Pablo and</a:t>
             </a:r>
           </a:p>
           <a:p>
@@ -27301,37 +27431,8 @@
                   <a:srgbClr val="000000"/>
                 </a:solidFill>
               </a:rPr>
-              <a:t>        - Group documentation: Charlotte, </a:t>
+              <a:t>        - Documentation: Charlotte, Kyrylo, Thomas</a:t>
             </a:r>
-            <a:r>
-              <a:rPr lang="en-US" dirty="0" err="1">
-                <a:solidFill>
-                  <a:srgbClr val="000000"/>
-                </a:solidFill>
-              </a:rPr>
-              <a:t>Kyrylo</a:t>
-            </a:r>
-            <a:r>
-              <a:rPr lang="en-US" dirty="0">
-                <a:solidFill>
-                  <a:srgbClr val="000000"/>
-                </a:solidFill>
-              </a:rPr>
-              <a:t>, </a:t>
-            </a:r>
-            <a:r>
-              <a:rPr lang="en-US" dirty="0" err="1">
-                <a:solidFill>
-                  <a:srgbClr val="000000"/>
-                </a:solidFill>
-              </a:rPr>
-              <a:t>thomas</a:t>
-            </a:r>
-            <a:endParaRPr lang="en-US" dirty="0">
-              <a:solidFill>
-                <a:srgbClr val="000000"/>
-              </a:solidFill>
-            </a:endParaRPr>
           </a:p>
           <a:p>
             <a:pPr marL="82868" marR="0" lvl="0" indent="0" algn="just" rtl="0">
@@ -27432,7 +27533,7 @@
               <a:buNone/>
             </a:pPr>
             <a:r>
-              <a:rPr lang="en-US" sz="3300" b="0" i="0" u="none" strike="noStrike" cap="none">
+              <a:rPr lang="en-US" sz="3300" b="0" i="0" u="none" strike="noStrike" cap="none" dirty="0">
                 <a:solidFill>
                   <a:srgbClr val="7A9798"/>
                 </a:solidFill>
@@ -27441,10 +27542,10 @@
                 <a:cs typeface="Georgia"/>
                 <a:sym typeface="Georgia"/>
               </a:rPr>
-              <a:t>The solution </a:t>
+              <a:t>The Solution </a:t>
             </a:r>
             <a:r>
-              <a:rPr lang="en-US" sz="2400" b="0" i="0" u="none" strike="noStrike" cap="none">
+              <a:rPr lang="en-US" sz="2400" b="0" i="0" u="none" strike="noStrike" cap="none" dirty="0">
                 <a:solidFill>
                   <a:srgbClr val="7A9798"/>
                 </a:solidFill>
@@ -27453,9 +27554,9 @@
                 <a:cs typeface="Georgia"/>
                 <a:sym typeface="Georgia"/>
               </a:rPr>
-              <a:t>(sheet 1)</a:t>
+              <a:t>(slide 1)</a:t>
             </a:r>
-            <a:endParaRPr sz="2400" b="0" i="0" u="none" strike="noStrike" cap="none">
+            <a:endParaRPr sz="2400" b="0" i="0" u="none" strike="noStrike" cap="none" dirty="0">
               <a:solidFill>
                 <a:srgbClr val="7A9798"/>
               </a:solidFill>
@@ -27573,7 +27674,7 @@
               <a:buChar char="●"/>
             </a:pPr>
             <a:r>
-              <a:rPr lang="en-US" sz="2900" b="0" i="0" u="none" strike="noStrike" cap="none">
+              <a:rPr lang="en-US" sz="2900" b="0" i="0" u="none" strike="noStrike" cap="none" dirty="0">
                 <a:solidFill>
                   <a:schemeClr val="dk1"/>
                 </a:solidFill>
@@ -27582,9 +27683,9 @@
                 <a:cs typeface="Georgia"/>
                 <a:sym typeface="Georgia"/>
               </a:rPr>
-              <a:t>The application will work out optimal evacuation routes inside the buildings according to user’s position.</a:t>
+              <a:t>The application will work out optimal evacuation routes inside buildings according to the user’s position.</a:t>
             </a:r>
-            <a:endParaRPr sz="2900" b="0" i="0" u="none" strike="noStrike" cap="none">
+            <a:endParaRPr sz="2900" b="0" i="0" u="none" strike="noStrike" cap="none" dirty="0">
               <a:solidFill>
                 <a:schemeClr val="dk1"/>
               </a:solidFill>
@@ -27610,7 +27711,7 @@
               <a:buChar char="●"/>
             </a:pPr>
             <a:r>
-              <a:rPr lang="en-US" sz="2700" b="0" i="0" u="none" strike="noStrike" cap="none">
+              <a:rPr lang="en-US" sz="2700" b="0" i="0" u="none" strike="noStrike" cap="none" dirty="0">
                 <a:solidFill>
                   <a:schemeClr val="dk1"/>
                 </a:solidFill>
@@ -27621,7 +27722,7 @@
               </a:rPr>
               <a:t>Certified registered building owners will be able to submit building plans to the system.</a:t>
             </a:r>
-            <a:endParaRPr sz="2700" b="0" i="0" u="none" strike="noStrike" cap="none">
+            <a:endParaRPr sz="2700" b="0" i="0" u="none" strike="noStrike" cap="none" dirty="0">
               <a:solidFill>
                 <a:schemeClr val="dk1"/>
               </a:solidFill>
@@ -27647,7 +27748,7 @@
               <a:buChar char="●"/>
             </a:pPr>
             <a:r>
-              <a:rPr lang="en-US" sz="2700" b="0" i="0" u="none" strike="noStrike" cap="none">
+              <a:rPr lang="en-US" sz="2700" b="0" i="0" u="none" strike="noStrike" cap="none" dirty="0">
                 <a:solidFill>
                   <a:schemeClr val="dk1"/>
                 </a:solidFill>
@@ -27656,9 +27757,9 @@
                 <a:cs typeface="Georgia"/>
                 <a:sym typeface="Georgia"/>
               </a:rPr>
-              <a:t>The system will have data storage to show and calculate the most convenient way of leaving the building at the time of an emergency.</a:t>
+              <a:t>The system will store data to show and calculate the most convenient way of leaving the building at the time of an emergency.</a:t>
             </a:r>
-            <a:endParaRPr sz="2700" b="0" i="0" u="none" strike="noStrike" cap="none">
+            <a:endParaRPr sz="2700" b="0" i="0" u="none" strike="noStrike" cap="none" dirty="0">
               <a:solidFill>
                 <a:schemeClr val="dk1"/>
               </a:solidFill>
@@ -27683,7 +27784,7 @@
               <a:buFont typeface="Noto Sans Symbols"/>
               <a:buNone/>
             </a:pPr>
-            <a:endParaRPr sz="2700" b="0" i="0" u="none" strike="noStrike" cap="none">
+            <a:endParaRPr sz="2700" b="0" i="0" u="none" strike="noStrike" cap="none" dirty="0">
               <a:solidFill>
                 <a:schemeClr val="dk1"/>
               </a:solidFill>
@@ -27764,7 +27865,7 @@
               <a:buNone/>
             </a:pPr>
             <a:r>
-              <a:rPr lang="en-US" sz="3300" b="0" i="0" u="none" strike="noStrike" cap="none">
+              <a:rPr lang="en-US" sz="3300" b="0" i="0" u="none" strike="noStrike" cap="none" dirty="0">
                 <a:solidFill>
                   <a:srgbClr val="7A9798"/>
                 </a:solidFill>
@@ -27773,10 +27874,10 @@
                 <a:cs typeface="Georgia"/>
                 <a:sym typeface="Georgia"/>
               </a:rPr>
-              <a:t>The solution </a:t>
+              <a:t>The Solution </a:t>
             </a:r>
             <a:r>
-              <a:rPr lang="en-US" sz="2400" b="0" i="0" u="none" strike="noStrike" cap="none">
+              <a:rPr lang="en-US" sz="2400" b="0" i="0" u="none" strike="noStrike" cap="none" dirty="0">
                 <a:solidFill>
                   <a:srgbClr val="7A9798"/>
                 </a:solidFill>
@@ -27785,9 +27886,9 @@
                 <a:cs typeface="Georgia"/>
                 <a:sym typeface="Georgia"/>
               </a:rPr>
-              <a:t>(sheet 2)</a:t>
+              <a:t>(slide 2)</a:t>
             </a:r>
-            <a:endParaRPr sz="2400" b="0" i="0" u="none" strike="noStrike" cap="none">
+            <a:endParaRPr sz="2400" b="0" i="0" u="none" strike="noStrike" cap="none" dirty="0">
               <a:solidFill>
                 <a:srgbClr val="7A9798"/>
               </a:solidFill>
@@ -27905,7 +28006,7 @@
               <a:buChar char="●"/>
             </a:pPr>
             <a:r>
-              <a:rPr lang="en-US" sz="2700" b="0" i="0" u="none" strike="noStrike" cap="none">
+              <a:rPr lang="en-US" sz="2700" b="0" i="0" u="none" strike="noStrike" cap="none" dirty="0">
                 <a:solidFill>
                   <a:schemeClr val="dk1"/>
                 </a:solidFill>
@@ -27914,9 +28015,25 @@
                 <a:cs typeface="Georgia"/>
                 <a:sym typeface="Georgia"/>
               </a:rPr>
-              <a:t>To simulate mobile environment, especially by creating similar graphical user interface and model.</a:t>
+              <a:t>To simulate a mobile environment, by creating </a:t>
             </a:r>
-            <a:endParaRPr/>
+            <a:r>
+              <a:rPr lang="en-US" dirty="0"/>
+              <a:t>a </a:t>
+            </a:r>
+            <a:r>
+              <a:rPr lang="en-US" sz="2700" b="0" i="0" u="none" strike="noStrike" cap="none" dirty="0">
+                <a:solidFill>
+                  <a:schemeClr val="dk1"/>
+                </a:solidFill>
+                <a:latin typeface="Georgia"/>
+                <a:ea typeface="Georgia"/>
+                <a:cs typeface="Georgia"/>
+                <a:sym typeface="Georgia"/>
+              </a:rPr>
+              <a:t>similar graphical user interface and model.</a:t>
+            </a:r>
+            <a:endParaRPr dirty="0"/>
           </a:p>
           <a:p>
             <a:pPr marL="274320" marR="0" lvl="0" indent="-274320" algn="just" rtl="0">
@@ -27934,7 +28051,7 @@
               <a:buChar char="●"/>
             </a:pPr>
             <a:r>
-              <a:rPr lang="en-US" sz="2700" b="0" i="0" u="none" strike="noStrike" cap="none">
+              <a:rPr lang="en-US" sz="2700" b="0" i="0" u="none" strike="noStrike" cap="none" dirty="0">
                 <a:solidFill>
                   <a:schemeClr val="dk1"/>
                 </a:solidFill>
@@ -27945,7 +28062,7 @@
               </a:rPr>
               <a:t>Mocking database connection by using text files with all necessary data. </a:t>
             </a:r>
-            <a:endParaRPr sz="2700" b="0" i="0" u="none" strike="noStrike" cap="none">
+            <a:endParaRPr sz="2700" b="0" i="0" u="none" strike="noStrike" cap="none" dirty="0">
               <a:solidFill>
                 <a:schemeClr val="dk1"/>
               </a:solidFill>
@@ -27971,7 +28088,7 @@
               <a:buChar char="●"/>
             </a:pPr>
             <a:r>
-              <a:rPr lang="en-US" sz="2700" b="0" i="0" u="none" strike="noStrike" cap="none">
+              <a:rPr lang="en-US" sz="2700" b="0" i="0" u="none" strike="noStrike" cap="none" dirty="0">
                 <a:solidFill>
                   <a:schemeClr val="dk1"/>
                 </a:solidFill>
@@ -27980,9 +28097,9 @@
                 <a:cs typeface="Georgia"/>
                 <a:sym typeface="Georgia"/>
               </a:rPr>
-              <a:t>There will be graphical presentation of the computation (what the end-user will see).</a:t>
+              <a:t>There will be a graphical presentation of the computation (what the end-user will see).</a:t>
             </a:r>
-            <a:endParaRPr sz="2700" b="0" i="0" u="none" strike="noStrike" cap="none">
+            <a:endParaRPr sz="2700" b="0" i="0" u="none" strike="noStrike" cap="none" dirty="0">
               <a:solidFill>
                 <a:schemeClr val="dk1"/>
               </a:solidFill>
@@ -28008,7 +28125,7 @@
               <a:buChar char="●"/>
             </a:pPr>
             <a:r>
-              <a:rPr lang="en-US" sz="2700" b="0" i="0" u="none" strike="noStrike" cap="none">
+              <a:rPr lang="en-US" sz="2700" b="0" i="0" u="none" strike="noStrike" cap="none" dirty="0">
                 <a:solidFill>
                   <a:schemeClr val="dk1"/>
                 </a:solidFill>
@@ -28017,9 +28134,9 @@
                 <a:cs typeface="Georgia"/>
                 <a:sym typeface="Georgia"/>
               </a:rPr>
-              <a:t>We have decided to lead statistics about users who use our application. </a:t>
+              <a:t>We have decided to track statistics about users who use our application. </a:t>
             </a:r>
-            <a:endParaRPr/>
+            <a:endParaRPr dirty="0"/>
           </a:p>
           <a:p>
             <a:pPr marL="274320" marR="0" lvl="0" indent="-166370" algn="just" rtl="0">
@@ -28036,7 +28153,7 @@
               <a:buFont typeface="Noto Sans Symbols"/>
               <a:buNone/>
             </a:pPr>
-            <a:endParaRPr sz="2000" b="0" i="0" u="none" strike="noStrike" cap="none">
+            <a:endParaRPr sz="2000" b="0" i="0" u="none" strike="noStrike" cap="none" dirty="0">
               <a:solidFill>
                 <a:schemeClr val="dk1"/>
               </a:solidFill>
@@ -28061,7 +28178,7 @@
               <a:buFont typeface="Noto Sans Symbols"/>
               <a:buNone/>
             </a:pPr>
-            <a:endParaRPr sz="2000" b="0" i="0" u="none" strike="noStrike" cap="none">
+            <a:endParaRPr sz="2000" b="0" i="0" u="none" strike="noStrike" cap="none" dirty="0">
               <a:solidFill>
                 <a:schemeClr val="dk1"/>
               </a:solidFill>
@@ -28086,7 +28203,7 @@
               <a:buFont typeface="Noto Sans Symbols"/>
               <a:buNone/>
             </a:pPr>
-            <a:endParaRPr sz="2000" b="0" i="0" u="none" strike="noStrike" cap="none">
+            <a:endParaRPr sz="2000" b="0" i="0" u="none" strike="noStrike" cap="none" dirty="0">
               <a:solidFill>
                 <a:schemeClr val="dk1"/>
               </a:solidFill>
@@ -28111,7 +28228,7 @@
               <a:buFont typeface="Noto Sans Symbols"/>
               <a:buNone/>
             </a:pPr>
-            <a:endParaRPr sz="1800" b="0" i="0" u="none" strike="noStrike" cap="none">
+            <a:endParaRPr sz="1800" b="0" i="0" u="none" strike="noStrike" cap="none" dirty="0">
               <a:solidFill>
                 <a:schemeClr val="dk1"/>
               </a:solidFill>
@@ -28136,7 +28253,7 @@
               <a:buFont typeface="Noto Sans Symbols"/>
               <a:buNone/>
             </a:pPr>
-            <a:endParaRPr sz="1800" b="0" i="0" u="none" strike="noStrike" cap="none">
+            <a:endParaRPr sz="1800" b="0" i="0" u="none" strike="noStrike" cap="none" dirty="0">
               <a:solidFill>
                 <a:schemeClr val="dk1"/>
               </a:solidFill>
@@ -28217,7 +28334,7 @@
               <a:buNone/>
             </a:pPr>
             <a:r>
-              <a:rPr lang="en-US" sz="3300" b="0" i="0" u="none" strike="noStrike" cap="none">
+              <a:rPr lang="en-US" sz="3300" b="0" i="0" u="none" strike="noStrike" cap="none" dirty="0">
                 <a:solidFill>
                   <a:srgbClr val="7A9798"/>
                 </a:solidFill>
@@ -28226,9 +28343,41 @@
                 <a:cs typeface="Georgia"/>
                 <a:sym typeface="Georgia"/>
               </a:rPr>
-              <a:t>Sw engineering activities</a:t>
+              <a:t>Software </a:t>
             </a:r>
-            <a:endParaRPr sz="3300" b="0" i="0" u="none" strike="noStrike" cap="none">
+            <a:r>
+              <a:rPr lang="en-US" dirty="0"/>
+              <a:t>E</a:t>
+            </a:r>
+            <a:r>
+              <a:rPr lang="en-US" sz="3300" b="0" i="0" u="none" strike="noStrike" cap="none" dirty="0">
+                <a:solidFill>
+                  <a:srgbClr val="7A9798"/>
+                </a:solidFill>
+                <a:latin typeface="Georgia"/>
+                <a:ea typeface="Georgia"/>
+                <a:cs typeface="Georgia"/>
+                <a:sym typeface="Georgia"/>
+              </a:rPr>
+              <a:t>ngineering </a:t>
+            </a:r>
+            <a:r>
+              <a:rPr lang="en-US" dirty="0"/>
+              <a:t>A</a:t>
+            </a:r>
+            <a:r>
+              <a:rPr lang="en-US" sz="3300" b="0" i="0" u="none" strike="noStrike" cap="none" dirty="0">
+                <a:solidFill>
+                  <a:srgbClr val="7A9798"/>
+                </a:solidFill>
+                <a:latin typeface="Georgia"/>
+                <a:ea typeface="Georgia"/>
+                <a:cs typeface="Georgia"/>
+                <a:sym typeface="Georgia"/>
+              </a:rPr>
+              <a:t>ctivities</a:t>
+            </a:r>
+            <a:endParaRPr sz="3300" b="0" i="0" u="none" strike="noStrike" cap="none" dirty="0">
               <a:solidFill>
                 <a:srgbClr val="7A9798"/>
               </a:solidFill>
@@ -28346,7 +28495,7 @@
               <a:buChar char="●"/>
             </a:pPr>
             <a:r>
-              <a:rPr lang="en-US" sz="2700" b="0" i="0" u="sng" strike="noStrike" cap="none">
+              <a:rPr lang="en-US" sz="2700" b="0" i="0" u="sng" strike="noStrike" cap="none" dirty="0">
                 <a:solidFill>
                   <a:schemeClr val="dk1"/>
                 </a:solidFill>
@@ -28357,7 +28506,7 @@
               </a:rPr>
               <a:t>Requirements</a:t>
             </a:r>
-            <a:endParaRPr sz="2700" b="0" i="0" u="sng" strike="noStrike" cap="none">
+            <a:endParaRPr sz="2700" b="0" i="0" u="sng" strike="noStrike" cap="none" dirty="0">
               <a:solidFill>
                 <a:schemeClr val="dk1"/>
               </a:solidFill>
@@ -28383,7 +28532,7 @@
               <a:buNone/>
             </a:pPr>
             <a:r>
-              <a:rPr lang="en-US" sz="2700" b="0" i="0" u="none" strike="noStrike" cap="none">
+              <a:rPr lang="en-US" sz="2700" b="0" i="0" u="none" strike="noStrike" cap="none" dirty="0">
                 <a:solidFill>
                   <a:schemeClr val="dk1"/>
                 </a:solidFill>
@@ -28394,7 +28543,7 @@
               </a:rPr>
               <a:t>We have considered the following main requirements:</a:t>
             </a:r>
-            <a:endParaRPr/>
+            <a:endParaRPr dirty="0"/>
           </a:p>
           <a:p>
             <a:pPr marL="274320" marR="0" lvl="0" indent="-274320" algn="just" rtl="0">
@@ -28412,7 +28561,7 @@
               <a:buChar char="✓"/>
             </a:pPr>
             <a:r>
-              <a:rPr lang="en-US" sz="2700" b="0" i="0" u="none" strike="noStrike" cap="none">
+              <a:rPr lang="en-US" sz="2700" b="0" i="0" u="none" strike="noStrike" cap="none" dirty="0">
                 <a:solidFill>
                   <a:schemeClr val="dk1"/>
                 </a:solidFill>
@@ -28421,9 +28570,25 @@
                 <a:cs typeface="Georgia"/>
                 <a:sym typeface="Georgia"/>
               </a:rPr>
-              <a:t>User can see his current position on map, provided by the system.</a:t>
+              <a:t>User can see </a:t>
             </a:r>
-            <a:endParaRPr/>
+            <a:r>
+              <a:rPr lang="en-US" dirty="0"/>
+              <a:t>their</a:t>
+            </a:r>
+            <a:r>
+              <a:rPr lang="en-US" sz="2700" b="0" i="0" u="none" strike="noStrike" cap="none" dirty="0">
+                <a:solidFill>
+                  <a:schemeClr val="dk1"/>
+                </a:solidFill>
+                <a:latin typeface="Georgia"/>
+                <a:ea typeface="Georgia"/>
+                <a:cs typeface="Georgia"/>
+                <a:sym typeface="Georgia"/>
+              </a:rPr>
+              <a:t> current position on the map provided by the system.</a:t>
+            </a:r>
+            <a:endParaRPr dirty="0"/>
           </a:p>
           <a:p>
             <a:pPr marL="274320" marR="0" lvl="0" indent="-274320" algn="just" rtl="0">
@@ -28441,7 +28606,7 @@
               <a:buChar char="✓"/>
             </a:pPr>
             <a:r>
-              <a:rPr lang="en-US" sz="2700" b="0" i="0" u="none" strike="noStrike" cap="none">
+              <a:rPr lang="en-US" sz="2700" b="0" i="0" u="none" strike="noStrike" cap="none" dirty="0">
                 <a:solidFill>
                   <a:schemeClr val="dk1"/>
                 </a:solidFill>
@@ -28450,9 +28615,9 @@
                 <a:cs typeface="Georgia"/>
                 <a:sym typeface="Georgia"/>
               </a:rPr>
-              <a:t>The system has to provide an escape route. In case of collapse or any other situation the system will provide an alternative route.</a:t>
+              <a:t>The system has to provide an escape route. In case of situations such as a collapse of part of the building, the system will provide an alternative route.</a:t>
             </a:r>
-            <a:endParaRPr/>
+            <a:endParaRPr dirty="0"/>
           </a:p>
           <a:p>
             <a:pPr marL="274320" marR="0" lvl="0" indent="-274320" algn="just" rtl="0">
@@ -28470,7 +28635,7 @@
               <a:buChar char="✓"/>
             </a:pPr>
             <a:r>
-              <a:rPr lang="en-US" sz="2700" b="0" i="0" u="none" strike="noStrike" cap="none">
+              <a:rPr lang="en-US" sz="2700" b="0" i="0" u="none" strike="noStrike" cap="none" dirty="0">
                 <a:solidFill>
                   <a:schemeClr val="dk1"/>
                 </a:solidFill>
@@ -28479,9 +28644,9 @@
                 <a:cs typeface="Georgia"/>
                 <a:sym typeface="Georgia"/>
               </a:rPr>
-              <a:t>The system has also to provide statistics  about users of the application.</a:t>
+              <a:t>The system will also provide statistics  about users of the application.</a:t>
             </a:r>
-            <a:endParaRPr/>
+            <a:endParaRPr dirty="0"/>
           </a:p>
           <a:p>
             <a:pPr marL="0" marR="0" lvl="0" indent="0" algn="just" rtl="0">
@@ -28498,7 +28663,7 @@
               <a:buFont typeface="Noto Sans Symbols"/>
               <a:buNone/>
             </a:pPr>
-            <a:endParaRPr sz="2700" b="0" i="0" u="none" strike="noStrike" cap="none">
+            <a:endParaRPr sz="2700" b="0" i="0" u="none" strike="noStrike" cap="none" dirty="0">
               <a:solidFill>
                 <a:schemeClr val="dk1"/>
               </a:solidFill>
@@ -28524,7 +28689,7 @@
               <a:buNone/>
             </a:pPr>
             <a:r>
-              <a:rPr lang="en-US" sz="1800" b="0" i="0" u="none" strike="noStrike" cap="none">
+              <a:rPr lang="en-US" sz="1800" b="0" i="0" u="none" strike="noStrike" cap="none" dirty="0">
                 <a:solidFill>
                   <a:schemeClr val="dk1"/>
                 </a:solidFill>
@@ -28536,7 +28701,7 @@
               <a:t>           </a:t>
             </a:r>
             <a:r>
-              <a:rPr lang="en-US" sz="2000" b="0" i="0" u="none" strike="noStrike" cap="none">
+              <a:rPr lang="en-US" sz="2000" b="0" i="0" u="none" strike="noStrike" cap="none" dirty="0">
                 <a:solidFill>
                   <a:schemeClr val="dk1"/>
                 </a:solidFill>
@@ -28547,7 +28712,7 @@
               </a:rPr>
               <a:t> </a:t>
             </a:r>
-            <a:endParaRPr/>
+            <a:endParaRPr dirty="0"/>
           </a:p>
           <a:p>
             <a:pPr marL="274320" marR="0" lvl="0" indent="-166370" algn="l" rtl="0">
@@ -28564,7 +28729,7 @@
               <a:buFont typeface="Noto Sans Symbols"/>
               <a:buNone/>
             </a:pPr>
-            <a:endParaRPr sz="2000" b="0" i="0" u="none" strike="noStrike" cap="none">
+            <a:endParaRPr sz="2000" b="0" i="0" u="none" strike="noStrike" cap="none" dirty="0">
               <a:solidFill>
                 <a:schemeClr val="dk1"/>
               </a:solidFill>
@@ -28645,7 +28810,7 @@
               <a:buNone/>
             </a:pPr>
             <a:r>
-              <a:rPr lang="en-US" sz="3300" b="0" i="0" u="none" strike="noStrike" cap="none">
+              <a:rPr lang="en-US" sz="3300" b="0" i="0" u="none" strike="noStrike" cap="none" dirty="0">
                 <a:solidFill>
                   <a:srgbClr val="7A9798"/>
                 </a:solidFill>
@@ -28654,9 +28819,41 @@
                 <a:cs typeface="Georgia"/>
                 <a:sym typeface="Georgia"/>
               </a:rPr>
-              <a:t>Sw engineering activities</a:t>
+              <a:t>Software </a:t>
             </a:r>
-            <a:endParaRPr sz="3300" b="0" i="0" u="none" strike="noStrike" cap="none">
+            <a:r>
+              <a:rPr lang="en-US" dirty="0"/>
+              <a:t>E</a:t>
+            </a:r>
+            <a:r>
+              <a:rPr lang="en-US" sz="3300" b="0" i="0" u="none" strike="noStrike" cap="none" dirty="0">
+                <a:solidFill>
+                  <a:srgbClr val="7A9798"/>
+                </a:solidFill>
+                <a:latin typeface="Georgia"/>
+                <a:ea typeface="Georgia"/>
+                <a:cs typeface="Georgia"/>
+                <a:sym typeface="Georgia"/>
+              </a:rPr>
+              <a:t>ngineering </a:t>
+            </a:r>
+            <a:r>
+              <a:rPr lang="en-US" dirty="0"/>
+              <a:t>A</a:t>
+            </a:r>
+            <a:r>
+              <a:rPr lang="en-US" sz="3300" b="0" i="0" u="none" strike="noStrike" cap="none" dirty="0">
+                <a:solidFill>
+                  <a:srgbClr val="7A9798"/>
+                </a:solidFill>
+                <a:latin typeface="Georgia"/>
+                <a:ea typeface="Georgia"/>
+                <a:cs typeface="Georgia"/>
+                <a:sym typeface="Georgia"/>
+              </a:rPr>
+              <a:t>ctivities</a:t>
+            </a:r>
+            <a:endParaRPr sz="3300" b="0" i="0" u="none" strike="noStrike" cap="none" dirty="0">
               <a:solidFill>
                 <a:srgbClr val="7A9798"/>
               </a:solidFill>
@@ -28774,7 +28971,7 @@
               <a:buChar char="●"/>
             </a:pPr>
             <a:r>
-              <a:rPr lang="en-US" sz="2700" b="0" i="0" u="none" strike="noStrike" cap="none">
+              <a:rPr lang="en-US" sz="2700" b="0" i="0" u="none" strike="noStrike" cap="none" dirty="0">
                 <a:solidFill>
                   <a:schemeClr val="dk1"/>
                 </a:solidFill>
@@ -28785,7 +28982,7 @@
               </a:rPr>
               <a:t>Architecture</a:t>
             </a:r>
-            <a:endParaRPr sz="2700" b="0" i="0" u="none" strike="noStrike" cap="none">
+            <a:endParaRPr sz="2700" b="0" i="0" u="none" strike="noStrike" cap="none" dirty="0">
               <a:solidFill>
                 <a:schemeClr val="dk1"/>
               </a:solidFill>
@@ -28811,7 +29008,7 @@
               <a:buNone/>
             </a:pPr>
             <a:r>
-              <a:rPr lang="en-US" sz="2700" b="0" i="0" u="none" strike="noStrike" cap="none">
+              <a:rPr lang="en-US" sz="2700" b="0" i="0" u="none" strike="noStrike" cap="none" dirty="0">
                 <a:solidFill>
                   <a:schemeClr val="dk1"/>
                 </a:solidFill>
@@ -28820,14 +29017,14 @@
                 <a:cs typeface="Georgia"/>
                 <a:sym typeface="Georgia"/>
               </a:rPr>
-              <a:t>As</a:t>
+              <a:t>For the </a:t>
             </a:r>
             <a:r>
-              <a:rPr lang="en-US"/>
-              <a:t> architectural</a:t>
+              <a:rPr lang="en-US" dirty="0"/>
+              <a:t>architectural</a:t>
             </a:r>
             <a:r>
-              <a:rPr lang="en-US" sz="2700" b="0" i="0" u="none" strike="noStrike" cap="none">
+              <a:rPr lang="en-US" sz="2700" b="0" i="0" u="none" strike="noStrike" cap="none" dirty="0">
                 <a:solidFill>
                   <a:schemeClr val="dk1"/>
                 </a:solidFill>
@@ -28836,9 +29033,25 @@
                 <a:cs typeface="Georgia"/>
                 <a:sym typeface="Georgia"/>
               </a:rPr>
-              <a:t> style, we have used Model-View-Controller, very common in graphical user interfaces, and based on the idea of code reuse. This architecture seek to facilitate the task of developing applications and their maintenance.</a:t>
+              <a:t> style, we have used Model-View-Controller, which is very common in graphical user interfaces</a:t>
             </a:r>
-            <a:endParaRPr/>
+            <a:r>
+              <a:rPr lang="en-US" dirty="0"/>
+              <a:t> </a:t>
+            </a:r>
+            <a:r>
+              <a:rPr lang="en-US" sz="2700" b="0" i="0" u="none" strike="noStrike" cap="none" dirty="0">
+                <a:solidFill>
+                  <a:schemeClr val="dk1"/>
+                </a:solidFill>
+                <a:latin typeface="Georgia"/>
+                <a:ea typeface="Georgia"/>
+                <a:cs typeface="Georgia"/>
+                <a:sym typeface="Georgia"/>
+              </a:rPr>
+              <a:t>and is based on the idea of code reuse. This architecture seeks to facilitate the task of developing applications and their maintenance.</a:t>
+            </a:r>
+            <a:endParaRPr dirty="0"/>
           </a:p>
           <a:p>
             <a:pPr marL="0" marR="0" lvl="0" indent="0" algn="l" rtl="0">
@@ -28855,7 +29068,7 @@
               <a:buFont typeface="Noto Sans Symbols"/>
               <a:buNone/>
             </a:pPr>
-            <a:endParaRPr sz="2000" b="0" i="0" u="none" strike="noStrike" cap="none">
+            <a:endParaRPr sz="2000" b="0" i="0" u="none" strike="noStrike" cap="none" dirty="0">
               <a:solidFill>
                 <a:srgbClr val="FF0000"/>
               </a:solidFill>
@@ -28880,7 +29093,7 @@
               <a:buFont typeface="Noto Sans Symbols"/>
               <a:buNone/>
             </a:pPr>
-            <a:endParaRPr sz="2000" b="0" i="0" u="none" strike="noStrike" cap="none">
+            <a:endParaRPr sz="2000" b="0" i="0" u="none" strike="noStrike" cap="none" dirty="0">
               <a:solidFill>
                 <a:srgbClr val="FF0000"/>
               </a:solidFill>
@@ -28905,7 +29118,7 @@
               <a:buFont typeface="Noto Sans Symbols"/>
               <a:buNone/>
             </a:pPr>
-            <a:endParaRPr sz="2000" b="0" i="0" u="none" strike="noStrike" cap="none">
+            <a:endParaRPr sz="2000" b="0" i="0" u="none" strike="noStrike" cap="none" dirty="0">
               <a:solidFill>
                 <a:schemeClr val="dk1"/>
               </a:solidFill>
@@ -28930,7 +29143,7 @@
               <a:buFont typeface="Noto Sans Symbols"/>
               <a:buNone/>
             </a:pPr>
-            <a:endParaRPr sz="2000" b="0" i="0" u="none" strike="noStrike" cap="none">
+            <a:endParaRPr sz="2000" b="0" i="0" u="none" strike="noStrike" cap="none" dirty="0">
               <a:solidFill>
                 <a:srgbClr val="FF0000"/>
               </a:solidFill>
@@ -28955,7 +29168,7 @@
               <a:buFont typeface="Noto Sans Symbols"/>
               <a:buNone/>
             </a:pPr>
-            <a:endParaRPr sz="2000" b="0" i="0" u="none" strike="noStrike" cap="none">
+            <a:endParaRPr sz="2000" b="0" i="0" u="none" strike="noStrike" cap="none" dirty="0">
               <a:solidFill>
                 <a:srgbClr val="FF0000"/>
               </a:solidFill>
@@ -28980,7 +29193,7 @@
               <a:buFont typeface="Arial"/>
               <a:buNone/>
             </a:pPr>
-            <a:endParaRPr sz="2000" b="0" i="0" u="none" strike="noStrike" cap="none">
+            <a:endParaRPr sz="2000" b="0" i="0" u="none" strike="noStrike" cap="none" dirty="0">
               <a:solidFill>
                 <a:srgbClr val="FF0000"/>
               </a:solidFill>
@@ -29088,7 +29301,7 @@
               <a:buNone/>
             </a:pPr>
             <a:r>
-              <a:rPr lang="en-US" sz="3300" b="0" i="0" u="none" strike="noStrike" cap="none">
+              <a:rPr lang="en-US" sz="3300" b="0" i="0" u="none" strike="noStrike" cap="none" dirty="0">
                 <a:solidFill>
                   <a:srgbClr val="7A9798"/>
                 </a:solidFill>
@@ -29097,9 +29310,41 @@
                 <a:cs typeface="Georgia"/>
                 <a:sym typeface="Georgia"/>
               </a:rPr>
-              <a:t>Sw engineering activities</a:t>
+              <a:t>Software </a:t>
             </a:r>
-            <a:endParaRPr sz="3300" b="0" i="0" u="none" strike="noStrike" cap="none">
+            <a:r>
+              <a:rPr lang="en-US" dirty="0"/>
+              <a:t>E</a:t>
+            </a:r>
+            <a:r>
+              <a:rPr lang="en-US" sz="3300" b="0" i="0" u="none" strike="noStrike" cap="none" dirty="0">
+                <a:solidFill>
+                  <a:srgbClr val="7A9798"/>
+                </a:solidFill>
+                <a:latin typeface="Georgia"/>
+                <a:ea typeface="Georgia"/>
+                <a:cs typeface="Georgia"/>
+                <a:sym typeface="Georgia"/>
+              </a:rPr>
+              <a:t>ngineering </a:t>
+            </a:r>
+            <a:r>
+              <a:rPr lang="en-US" dirty="0"/>
+              <a:t>A</a:t>
+            </a:r>
+            <a:r>
+              <a:rPr lang="en-US" sz="3300" b="0" i="0" u="none" strike="noStrike" cap="none" dirty="0">
+                <a:solidFill>
+                  <a:srgbClr val="7A9798"/>
+                </a:solidFill>
+                <a:latin typeface="Georgia"/>
+                <a:ea typeface="Georgia"/>
+                <a:cs typeface="Georgia"/>
+                <a:sym typeface="Georgia"/>
+              </a:rPr>
+              <a:t>ctivities</a:t>
+            </a:r>
+            <a:endParaRPr sz="3300" b="0" i="0" u="none" strike="noStrike" cap="none" dirty="0">
               <a:solidFill>
                 <a:srgbClr val="7A9798"/>
               </a:solidFill>
@@ -29155,7 +29400,7 @@
               <a:buChar char="●"/>
             </a:pPr>
             <a:r>
-              <a:rPr lang="en-US" sz="2700" b="0" i="0" u="none" strike="noStrike" cap="none">
+              <a:rPr lang="en-US" sz="2700" b="0" i="0" u="none" strike="noStrike" cap="none" dirty="0">
                 <a:solidFill>
                   <a:schemeClr val="dk1"/>
                 </a:solidFill>
@@ -29166,7 +29411,7 @@
               </a:rPr>
               <a:t>Models</a:t>
             </a:r>
-            <a:endParaRPr sz="2700" b="0" i="0" u="none" strike="noStrike" cap="none">
+            <a:endParaRPr sz="2700" b="0" i="0" u="none" strike="noStrike" cap="none" dirty="0">
               <a:solidFill>
                 <a:schemeClr val="dk1"/>
               </a:solidFill>
@@ -29192,7 +29437,7 @@
               <a:buNone/>
             </a:pPr>
             <a:r>
-              <a:rPr lang="en-US" sz="2700" b="0" i="0" u="none" strike="noStrike" cap="none">
+              <a:rPr lang="en-US" sz="2700" b="0" i="0" u="none" strike="noStrike" cap="none" dirty="0">
                 <a:solidFill>
                   <a:schemeClr val="dk1"/>
                 </a:solidFill>
@@ -29201,9 +29446,9 @@
                 <a:cs typeface="Georgia"/>
                 <a:sym typeface="Georgia"/>
               </a:rPr>
-              <a:t>To capture the static aspect of the system, we have used Class diagram, the most common structural diagram which basically represents the object-oriented view of a system.</a:t>
+              <a:t>To capture the static aspect of the system, we have used a Class diagram, the most common structural diagram which basically represents the object-oriented view of a system.</a:t>
             </a:r>
-            <a:endParaRPr/>
+            <a:endParaRPr dirty="0"/>
           </a:p>
           <a:p>
             <a:pPr marL="0" marR="0" lvl="0" indent="0" algn="just" rtl="0">
@@ -29221,7 +29466,7 @@
               <a:buNone/>
             </a:pPr>
             <a:r>
-              <a:rPr lang="en-US" sz="2700" b="0" i="0" u="none" strike="noStrike" cap="none">
+              <a:rPr lang="en-US" sz="2700" b="0" i="0" u="none" strike="noStrike" cap="none" dirty="0">
                 <a:solidFill>
                   <a:schemeClr val="dk1"/>
                 </a:solidFill>
@@ -29230,9 +29475,49 @@
                 <a:cs typeface="Georgia"/>
                 <a:sym typeface="Georgia"/>
               </a:rPr>
-              <a:t>To capture the dynamic aspect of the system, we have used two behavioral diagrams, the Use case diagram an the Sequence diagram.</a:t>
+              <a:t>To capture the dynamic aspect of the system, we have used two </a:t>
             </a:r>
-            <a:endParaRPr/>
+            <a:r>
+              <a:rPr lang="en-US" sz="2700" b="0" i="0" u="none" strike="noStrike" cap="none" dirty="0" err="1">
+                <a:solidFill>
+                  <a:schemeClr val="dk1"/>
+                </a:solidFill>
+                <a:latin typeface="Georgia"/>
+                <a:ea typeface="Georgia"/>
+                <a:cs typeface="Georgia"/>
+                <a:sym typeface="Georgia"/>
+              </a:rPr>
+              <a:t>behavioural</a:t>
+            </a:r>
+            <a:r>
+              <a:rPr lang="en-US" sz="2700" b="0" i="0" u="none" strike="noStrike" cap="none" dirty="0">
+                <a:solidFill>
+                  <a:schemeClr val="dk1"/>
+                </a:solidFill>
+                <a:latin typeface="Georgia"/>
+                <a:ea typeface="Georgia"/>
+                <a:cs typeface="Georgia"/>
+                <a:sym typeface="Georgia"/>
+              </a:rPr>
+              <a:t> diagrams, the Use </a:t>
+            </a:r>
+            <a:r>
+              <a:rPr lang="en-US" dirty="0"/>
+              <a:t>C</a:t>
+            </a:r>
+            <a:r>
+              <a:rPr lang="en-US" sz="2700" b="0" i="0" u="none" strike="noStrike" cap="none" dirty="0">
+                <a:solidFill>
+                  <a:schemeClr val="dk1"/>
+                </a:solidFill>
+                <a:latin typeface="Georgia"/>
+                <a:ea typeface="Georgia"/>
+                <a:cs typeface="Georgia"/>
+                <a:sym typeface="Georgia"/>
+              </a:rPr>
+              <a:t>ase diagram an the Sequence diagram.</a:t>
+            </a:r>
+            <a:endParaRPr dirty="0"/>
           </a:p>
           <a:p>
             <a:pPr marL="0" marR="0" lvl="0" indent="0" algn="l" rtl="0">
@@ -29250,7 +29535,7 @@
               <a:buNone/>
             </a:pPr>
             <a:r>
-              <a:rPr lang="en-US" sz="2700" b="0" i="0" u="none" strike="noStrike" cap="none">
+              <a:rPr lang="en-US" sz="2700" b="0" i="0" u="none" strike="noStrike" cap="none" dirty="0">
                 <a:solidFill>
                   <a:schemeClr val="dk1"/>
                 </a:solidFill>
@@ -29259,9 +29544,9 @@
                 <a:cs typeface="Georgia"/>
                 <a:sym typeface="Georgia"/>
               </a:rPr>
-              <a:t>We show the mentioned diagrams in next sheets.</a:t>
+              <a:t>The aforementioned diagrams  are in the slides that follow.</a:t>
             </a:r>
-            <a:endParaRPr sz="2700" b="0" i="0" u="none" strike="noStrike" cap="none">
+            <a:endParaRPr sz="2700" b="0" i="0" u="none" strike="noStrike" cap="none" dirty="0">
               <a:solidFill>
                 <a:schemeClr val="dk1"/>
               </a:solidFill>
@@ -29404,7 +29689,7 @@
               <a:buNone/>
             </a:pPr>
             <a:r>
-              <a:rPr lang="en-US" sz="3300" b="0" i="0" u="none" strike="noStrike" cap="none">
+              <a:rPr lang="en-US" sz="3300" b="0" i="0" u="none" strike="noStrike" cap="none" dirty="0">
                 <a:solidFill>
                   <a:srgbClr val="7A9798"/>
                 </a:solidFill>
@@ -29413,10 +29698,10 @@
                 <a:cs typeface="Georgia"/>
                 <a:sym typeface="Georgia"/>
               </a:rPr>
-              <a:t>Class diagram </a:t>
+              <a:t>Class Diagram </a:t>
             </a:r>
             <a:r>
-              <a:rPr lang="en-US" sz="2400" b="0" i="0" u="none" strike="noStrike" cap="none">
+              <a:rPr lang="en-US" sz="2400" b="0" i="0" u="none" strike="noStrike" cap="none" dirty="0">
                 <a:solidFill>
                   <a:srgbClr val="7A9798"/>
                 </a:solidFill>
@@ -29428,7 +29713,7 @@
               <a:t>(high abstraction)</a:t>
             </a:r>
             <a:r>
-              <a:rPr lang="en-US" sz="3300" b="0" i="0" u="none" strike="noStrike" cap="none">
+              <a:rPr lang="en-US" sz="3300" b="0" i="0" u="none" strike="noStrike" cap="none" dirty="0">
                 <a:solidFill>
                   <a:srgbClr val="7A9798"/>
                 </a:solidFill>
@@ -29439,7 +29724,7 @@
               </a:rPr>
               <a:t> </a:t>
             </a:r>
-            <a:endParaRPr sz="3300" b="0" i="0" u="none" strike="noStrike" cap="none">
+            <a:endParaRPr sz="3300" b="0" i="0" u="none" strike="noStrike" cap="none" dirty="0">
               <a:solidFill>
                 <a:srgbClr val="7A9798"/>
               </a:solidFill>
